--- a/PrezentacijaNeLjutiSeČoveće.pptx
+++ b/PrezentacijaNeLjutiSeČoveće.pptx
@@ -12,7 +12,8 @@
     <p:sldId id="261" r:id="rId6"/>
     <p:sldId id="262" r:id="rId7"/>
     <p:sldId id="263" r:id="rId8"/>
-    <p:sldId id="260" r:id="rId9"/>
+    <p:sldId id="264" r:id="rId9"/>
+    <p:sldId id="260" r:id="rId10"/>
   </p:sldIdLst>
   <p:sldSz cx="12192000" cy="6858000"/>
   <p:notesSz cx="6858000" cy="9144000"/>
@@ -266,7 +267,7 @@
           <a:p>
             <a:fld id="{31E3B33F-6DEC-41ED-A0AD-C5E3CA7A466E}" type="datetimeFigureOut">
               <a:rPr lang="en-US" smtClean="0"/>
-              <a:t>8/9/2020</a:t>
+              <a:t>8/10/2020</a:t>
             </a:fld>
             <a:endParaRPr lang="en-US"/>
           </a:p>
@@ -464,7 +465,7 @@
           <a:p>
             <a:fld id="{31E3B33F-6DEC-41ED-A0AD-C5E3CA7A466E}" type="datetimeFigureOut">
               <a:rPr lang="en-US" smtClean="0"/>
-              <a:t>8/9/2020</a:t>
+              <a:t>8/10/2020</a:t>
             </a:fld>
             <a:endParaRPr lang="en-US"/>
           </a:p>
@@ -672,7 +673,7 @@
           <a:p>
             <a:fld id="{31E3B33F-6DEC-41ED-A0AD-C5E3CA7A466E}" type="datetimeFigureOut">
               <a:rPr lang="en-US" smtClean="0"/>
-              <a:t>8/9/2020</a:t>
+              <a:t>8/10/2020</a:t>
             </a:fld>
             <a:endParaRPr lang="en-US"/>
           </a:p>
@@ -870,7 +871,7 @@
           <a:p>
             <a:fld id="{31E3B33F-6DEC-41ED-A0AD-C5E3CA7A466E}" type="datetimeFigureOut">
               <a:rPr lang="en-US" smtClean="0"/>
-              <a:t>8/9/2020</a:t>
+              <a:t>8/10/2020</a:t>
             </a:fld>
             <a:endParaRPr lang="en-US"/>
           </a:p>
@@ -1145,7 +1146,7 @@
           <a:p>
             <a:fld id="{31E3B33F-6DEC-41ED-A0AD-C5E3CA7A466E}" type="datetimeFigureOut">
               <a:rPr lang="en-US" smtClean="0"/>
-              <a:t>8/9/2020</a:t>
+              <a:t>8/10/2020</a:t>
             </a:fld>
             <a:endParaRPr lang="en-US"/>
           </a:p>
@@ -1410,7 +1411,7 @@
           <a:p>
             <a:fld id="{31E3B33F-6DEC-41ED-A0AD-C5E3CA7A466E}" type="datetimeFigureOut">
               <a:rPr lang="en-US" smtClean="0"/>
-              <a:t>8/9/2020</a:t>
+              <a:t>8/10/2020</a:t>
             </a:fld>
             <a:endParaRPr lang="en-US"/>
           </a:p>
@@ -1822,7 +1823,7 @@
           <a:p>
             <a:fld id="{31E3B33F-6DEC-41ED-A0AD-C5E3CA7A466E}" type="datetimeFigureOut">
               <a:rPr lang="en-US" smtClean="0"/>
-              <a:t>8/9/2020</a:t>
+              <a:t>8/10/2020</a:t>
             </a:fld>
             <a:endParaRPr lang="en-US"/>
           </a:p>
@@ -1963,7 +1964,7 @@
           <a:p>
             <a:fld id="{31E3B33F-6DEC-41ED-A0AD-C5E3CA7A466E}" type="datetimeFigureOut">
               <a:rPr lang="en-US" smtClean="0"/>
-              <a:t>8/9/2020</a:t>
+              <a:t>8/10/2020</a:t>
             </a:fld>
             <a:endParaRPr lang="en-US"/>
           </a:p>
@@ -2076,7 +2077,7 @@
           <a:p>
             <a:fld id="{31E3B33F-6DEC-41ED-A0AD-C5E3CA7A466E}" type="datetimeFigureOut">
               <a:rPr lang="en-US" smtClean="0"/>
-              <a:t>8/9/2020</a:t>
+              <a:t>8/10/2020</a:t>
             </a:fld>
             <a:endParaRPr lang="en-US"/>
           </a:p>
@@ -2387,7 +2388,7 @@
           <a:p>
             <a:fld id="{31E3B33F-6DEC-41ED-A0AD-C5E3CA7A466E}" type="datetimeFigureOut">
               <a:rPr lang="en-US" smtClean="0"/>
-              <a:t>8/9/2020</a:t>
+              <a:t>8/10/2020</a:t>
             </a:fld>
             <a:endParaRPr lang="en-US"/>
           </a:p>
@@ -2675,7 +2676,7 @@
           <a:p>
             <a:fld id="{31E3B33F-6DEC-41ED-A0AD-C5E3CA7A466E}" type="datetimeFigureOut">
               <a:rPr lang="en-US" smtClean="0"/>
-              <a:t>8/9/2020</a:t>
+              <a:t>8/10/2020</a:t>
             </a:fld>
             <a:endParaRPr lang="en-US"/>
           </a:p>
@@ -2925,7 +2926,7 @@
           <a:p>
             <a:fld id="{31E3B33F-6DEC-41ED-A0AD-C5E3CA7A466E}" type="datetimeFigureOut">
               <a:rPr lang="en-US" smtClean="0"/>
-              <a:t>8/9/2020</a:t>
+              <a:t>8/10/2020</a:t>
             </a:fld>
             <a:endParaRPr lang="en-US"/>
           </a:p>
@@ -3427,10 +3428,28 @@
           <a:lstStyle/>
           <a:p>
             <a:r>
-              <a:rPr lang="sr-Latn-RS" dirty="0"/>
+              <a:rPr lang="sr-Latn-RS" dirty="0">
+                <a:ln w="0"/>
+                <a:effectLst>
+                  <a:outerShdw blurRad="38100" dist="19050" dir="2700000" algn="tl" rotWithShape="0">
+                    <a:schemeClr val="dk1">
+                      <a:alpha val="40000"/>
+                    </a:schemeClr>
+                  </a:outerShdw>
+                </a:effectLst>
+              </a:rPr>
               <a:t>Primena Reinforcement Learning u igri „Čoveče, ne ljuti se“</a:t>
             </a:r>
-            <a:endParaRPr lang="en-US" dirty="0"/>
+            <a:endParaRPr lang="en-US" dirty="0">
+              <a:ln w="0"/>
+              <a:effectLst>
+                <a:outerShdw blurRad="38100" dist="19050" dir="2700000" algn="tl" rotWithShape="0">
+                  <a:schemeClr val="dk1">
+                    <a:alpha val="40000"/>
+                  </a:schemeClr>
+                </a:outerShdw>
+              </a:effectLst>
+            </a:endParaRPr>
           </a:p>
         </p:txBody>
       </p:sp>
@@ -3624,6 +3643,235 @@
   <p:clrMapOvr>
     <a:masterClrMapping/>
   </p:clrMapOvr>
+  <p:timing>
+    <p:tnLst>
+      <p:par>
+        <p:cTn id="1" dur="indefinite" restart="never" nodeType="tmRoot">
+          <p:childTnLst>
+            <p:seq concurrent="1" nextAc="seek">
+              <p:cTn id="2" dur="indefinite" nodeType="mainSeq">
+                <p:childTnLst>
+                  <p:par>
+                    <p:cTn id="3" fill="hold">
+                      <p:stCondLst>
+                        <p:cond delay="indefinite"/>
+                      </p:stCondLst>
+                      <p:childTnLst>
+                        <p:par>
+                          <p:cTn id="4" fill="hold">
+                            <p:stCondLst>
+                              <p:cond delay="0"/>
+                            </p:stCondLst>
+                            <p:childTnLst>
+                              <p:par>
+                                <p:cTn id="5" presetID="1" presetClass="entr" presetSubtype="0" fill="hold" grpId="0" nodeType="clickEffect">
+                                  <p:stCondLst>
+                                    <p:cond delay="0"/>
+                                  </p:stCondLst>
+                                  <p:childTnLst>
+                                    <p:set>
+                                      <p:cBhvr>
+                                        <p:cTn id="6" dur="1" fill="hold">
+                                          <p:stCondLst>
+                                            <p:cond delay="0"/>
+                                          </p:stCondLst>
+                                        </p:cTn>
+                                        <p:tgtEl>
+                                          <p:spTgt spid="3">
+                                            <p:txEl>
+                                              <p:pRg st="0" end="0"/>
+                                            </p:txEl>
+                                          </p:spTgt>
+                                        </p:tgtEl>
+                                        <p:attrNameLst>
+                                          <p:attrName>style.visibility</p:attrName>
+                                        </p:attrNameLst>
+                                      </p:cBhvr>
+                                      <p:to>
+                                        <p:strVal val="visible"/>
+                                      </p:to>
+                                    </p:set>
+                                  </p:childTnLst>
+                                </p:cTn>
+                              </p:par>
+                            </p:childTnLst>
+                          </p:cTn>
+                        </p:par>
+                      </p:childTnLst>
+                    </p:cTn>
+                  </p:par>
+                  <p:par>
+                    <p:cTn id="7" fill="hold">
+                      <p:stCondLst>
+                        <p:cond delay="indefinite"/>
+                      </p:stCondLst>
+                      <p:childTnLst>
+                        <p:par>
+                          <p:cTn id="8" fill="hold">
+                            <p:stCondLst>
+                              <p:cond delay="0"/>
+                            </p:stCondLst>
+                            <p:childTnLst>
+                              <p:par>
+                                <p:cTn id="9" presetID="1" presetClass="entr" presetSubtype="0" fill="hold" grpId="0" nodeType="clickEffect">
+                                  <p:stCondLst>
+                                    <p:cond delay="0"/>
+                                  </p:stCondLst>
+                                  <p:childTnLst>
+                                    <p:set>
+                                      <p:cBhvr>
+                                        <p:cTn id="10" dur="1" fill="hold">
+                                          <p:stCondLst>
+                                            <p:cond delay="0"/>
+                                          </p:stCondLst>
+                                        </p:cTn>
+                                        <p:tgtEl>
+                                          <p:spTgt spid="3">
+                                            <p:txEl>
+                                              <p:pRg st="2" end="2"/>
+                                            </p:txEl>
+                                          </p:spTgt>
+                                        </p:tgtEl>
+                                        <p:attrNameLst>
+                                          <p:attrName>style.visibility</p:attrName>
+                                        </p:attrNameLst>
+                                      </p:cBhvr>
+                                      <p:to>
+                                        <p:strVal val="visible"/>
+                                      </p:to>
+                                    </p:set>
+                                  </p:childTnLst>
+                                </p:cTn>
+                              </p:par>
+                            </p:childTnLst>
+                          </p:cTn>
+                        </p:par>
+                      </p:childTnLst>
+                    </p:cTn>
+                  </p:par>
+                  <p:par>
+                    <p:cTn id="11" fill="hold">
+                      <p:stCondLst>
+                        <p:cond delay="indefinite"/>
+                      </p:stCondLst>
+                      <p:childTnLst>
+                        <p:par>
+                          <p:cTn id="12" fill="hold">
+                            <p:stCondLst>
+                              <p:cond delay="0"/>
+                            </p:stCondLst>
+                            <p:childTnLst>
+                              <p:par>
+                                <p:cTn id="13" presetID="1" presetClass="entr" presetSubtype="0" fill="hold" grpId="0" nodeType="clickEffect">
+                                  <p:stCondLst>
+                                    <p:cond delay="0"/>
+                                  </p:stCondLst>
+                                  <p:childTnLst>
+                                    <p:set>
+                                      <p:cBhvr>
+                                        <p:cTn id="14" dur="1" fill="hold">
+                                          <p:stCondLst>
+                                            <p:cond delay="0"/>
+                                          </p:stCondLst>
+                                        </p:cTn>
+                                        <p:tgtEl>
+                                          <p:spTgt spid="3">
+                                            <p:txEl>
+                                              <p:pRg st="4" end="4"/>
+                                            </p:txEl>
+                                          </p:spTgt>
+                                        </p:tgtEl>
+                                        <p:attrNameLst>
+                                          <p:attrName>style.visibility</p:attrName>
+                                        </p:attrNameLst>
+                                      </p:cBhvr>
+                                      <p:to>
+                                        <p:strVal val="visible"/>
+                                      </p:to>
+                                    </p:set>
+                                  </p:childTnLst>
+                                </p:cTn>
+                              </p:par>
+                            </p:childTnLst>
+                          </p:cTn>
+                        </p:par>
+                      </p:childTnLst>
+                    </p:cTn>
+                  </p:par>
+                  <p:par>
+                    <p:cTn id="15" fill="hold">
+                      <p:stCondLst>
+                        <p:cond delay="indefinite"/>
+                      </p:stCondLst>
+                      <p:childTnLst>
+                        <p:par>
+                          <p:cTn id="16" fill="hold">
+                            <p:stCondLst>
+                              <p:cond delay="0"/>
+                            </p:stCondLst>
+                            <p:childTnLst>
+                              <p:par>
+                                <p:cTn id="17" presetID="1" presetClass="entr" presetSubtype="0" fill="hold" grpId="0" nodeType="clickEffect">
+                                  <p:stCondLst>
+                                    <p:cond delay="0"/>
+                                  </p:stCondLst>
+                                  <p:childTnLst>
+                                    <p:set>
+                                      <p:cBhvr>
+                                        <p:cTn id="18" dur="1" fill="hold">
+                                          <p:stCondLst>
+                                            <p:cond delay="0"/>
+                                          </p:stCondLst>
+                                        </p:cTn>
+                                        <p:tgtEl>
+                                          <p:spTgt spid="3">
+                                            <p:txEl>
+                                              <p:pRg st="6" end="6"/>
+                                            </p:txEl>
+                                          </p:spTgt>
+                                        </p:tgtEl>
+                                        <p:attrNameLst>
+                                          <p:attrName>style.visibility</p:attrName>
+                                        </p:attrNameLst>
+                                      </p:cBhvr>
+                                      <p:to>
+                                        <p:strVal val="visible"/>
+                                      </p:to>
+                                    </p:set>
+                                  </p:childTnLst>
+                                </p:cTn>
+                              </p:par>
+                            </p:childTnLst>
+                          </p:cTn>
+                        </p:par>
+                      </p:childTnLst>
+                    </p:cTn>
+                  </p:par>
+                </p:childTnLst>
+              </p:cTn>
+              <p:prevCondLst>
+                <p:cond evt="onPrev" delay="0">
+                  <p:tgtEl>
+                    <p:sldTgt/>
+                  </p:tgtEl>
+                </p:cond>
+              </p:prevCondLst>
+              <p:nextCondLst>
+                <p:cond evt="onNext" delay="0">
+                  <p:tgtEl>
+                    <p:sldTgt/>
+                  </p:tgtEl>
+                </p:cond>
+              </p:nextCondLst>
+            </p:seq>
+          </p:childTnLst>
+        </p:cTn>
+      </p:par>
+    </p:tnLst>
+    <p:bldLst>
+      <p:bldP spid="3" grpId="0" uiExpand="1" build="p"/>
+    </p:bldLst>
+  </p:timing>
 </p:sld>
 </file>
 
@@ -3746,6 +3994,235 @@
   <p:clrMapOvr>
     <a:masterClrMapping/>
   </p:clrMapOvr>
+  <p:timing>
+    <p:tnLst>
+      <p:par>
+        <p:cTn id="1" dur="indefinite" restart="never" nodeType="tmRoot">
+          <p:childTnLst>
+            <p:seq concurrent="1" nextAc="seek">
+              <p:cTn id="2" dur="indefinite" nodeType="mainSeq">
+                <p:childTnLst>
+                  <p:par>
+                    <p:cTn id="3" fill="hold">
+                      <p:stCondLst>
+                        <p:cond delay="indefinite"/>
+                      </p:stCondLst>
+                      <p:childTnLst>
+                        <p:par>
+                          <p:cTn id="4" fill="hold">
+                            <p:stCondLst>
+                              <p:cond delay="0"/>
+                            </p:stCondLst>
+                            <p:childTnLst>
+                              <p:par>
+                                <p:cTn id="5" presetID="1" presetClass="entr" presetSubtype="0" fill="hold" grpId="0" nodeType="clickEffect">
+                                  <p:stCondLst>
+                                    <p:cond delay="0"/>
+                                  </p:stCondLst>
+                                  <p:childTnLst>
+                                    <p:set>
+                                      <p:cBhvr>
+                                        <p:cTn id="6" dur="1" fill="hold">
+                                          <p:stCondLst>
+                                            <p:cond delay="0"/>
+                                          </p:stCondLst>
+                                        </p:cTn>
+                                        <p:tgtEl>
+                                          <p:spTgt spid="3">
+                                            <p:txEl>
+                                              <p:pRg st="0" end="0"/>
+                                            </p:txEl>
+                                          </p:spTgt>
+                                        </p:tgtEl>
+                                        <p:attrNameLst>
+                                          <p:attrName>style.visibility</p:attrName>
+                                        </p:attrNameLst>
+                                      </p:cBhvr>
+                                      <p:to>
+                                        <p:strVal val="visible"/>
+                                      </p:to>
+                                    </p:set>
+                                  </p:childTnLst>
+                                </p:cTn>
+                              </p:par>
+                            </p:childTnLst>
+                          </p:cTn>
+                        </p:par>
+                      </p:childTnLst>
+                    </p:cTn>
+                  </p:par>
+                  <p:par>
+                    <p:cTn id="7" fill="hold">
+                      <p:stCondLst>
+                        <p:cond delay="indefinite"/>
+                      </p:stCondLst>
+                      <p:childTnLst>
+                        <p:par>
+                          <p:cTn id="8" fill="hold">
+                            <p:stCondLst>
+                              <p:cond delay="0"/>
+                            </p:stCondLst>
+                            <p:childTnLst>
+                              <p:par>
+                                <p:cTn id="9" presetID="1" presetClass="entr" presetSubtype="0" fill="hold" grpId="0" nodeType="clickEffect">
+                                  <p:stCondLst>
+                                    <p:cond delay="0"/>
+                                  </p:stCondLst>
+                                  <p:childTnLst>
+                                    <p:set>
+                                      <p:cBhvr>
+                                        <p:cTn id="10" dur="1" fill="hold">
+                                          <p:stCondLst>
+                                            <p:cond delay="0"/>
+                                          </p:stCondLst>
+                                        </p:cTn>
+                                        <p:tgtEl>
+                                          <p:spTgt spid="3">
+                                            <p:txEl>
+                                              <p:pRg st="2" end="2"/>
+                                            </p:txEl>
+                                          </p:spTgt>
+                                        </p:tgtEl>
+                                        <p:attrNameLst>
+                                          <p:attrName>style.visibility</p:attrName>
+                                        </p:attrNameLst>
+                                      </p:cBhvr>
+                                      <p:to>
+                                        <p:strVal val="visible"/>
+                                      </p:to>
+                                    </p:set>
+                                  </p:childTnLst>
+                                </p:cTn>
+                              </p:par>
+                            </p:childTnLst>
+                          </p:cTn>
+                        </p:par>
+                      </p:childTnLst>
+                    </p:cTn>
+                  </p:par>
+                  <p:par>
+                    <p:cTn id="11" fill="hold">
+                      <p:stCondLst>
+                        <p:cond delay="indefinite"/>
+                      </p:stCondLst>
+                      <p:childTnLst>
+                        <p:par>
+                          <p:cTn id="12" fill="hold">
+                            <p:stCondLst>
+                              <p:cond delay="0"/>
+                            </p:stCondLst>
+                            <p:childTnLst>
+                              <p:par>
+                                <p:cTn id="13" presetID="1" presetClass="entr" presetSubtype="0" fill="hold" grpId="0" nodeType="clickEffect">
+                                  <p:stCondLst>
+                                    <p:cond delay="0"/>
+                                  </p:stCondLst>
+                                  <p:childTnLst>
+                                    <p:set>
+                                      <p:cBhvr>
+                                        <p:cTn id="14" dur="1" fill="hold">
+                                          <p:stCondLst>
+                                            <p:cond delay="0"/>
+                                          </p:stCondLst>
+                                        </p:cTn>
+                                        <p:tgtEl>
+                                          <p:spTgt spid="3">
+                                            <p:txEl>
+                                              <p:pRg st="4" end="4"/>
+                                            </p:txEl>
+                                          </p:spTgt>
+                                        </p:tgtEl>
+                                        <p:attrNameLst>
+                                          <p:attrName>style.visibility</p:attrName>
+                                        </p:attrNameLst>
+                                      </p:cBhvr>
+                                      <p:to>
+                                        <p:strVal val="visible"/>
+                                      </p:to>
+                                    </p:set>
+                                  </p:childTnLst>
+                                </p:cTn>
+                              </p:par>
+                            </p:childTnLst>
+                          </p:cTn>
+                        </p:par>
+                      </p:childTnLst>
+                    </p:cTn>
+                  </p:par>
+                  <p:par>
+                    <p:cTn id="15" fill="hold">
+                      <p:stCondLst>
+                        <p:cond delay="indefinite"/>
+                      </p:stCondLst>
+                      <p:childTnLst>
+                        <p:par>
+                          <p:cTn id="16" fill="hold">
+                            <p:stCondLst>
+                              <p:cond delay="0"/>
+                            </p:stCondLst>
+                            <p:childTnLst>
+                              <p:par>
+                                <p:cTn id="17" presetID="1" presetClass="entr" presetSubtype="0" fill="hold" grpId="0" nodeType="clickEffect">
+                                  <p:stCondLst>
+                                    <p:cond delay="0"/>
+                                  </p:stCondLst>
+                                  <p:childTnLst>
+                                    <p:set>
+                                      <p:cBhvr>
+                                        <p:cTn id="18" dur="1" fill="hold">
+                                          <p:stCondLst>
+                                            <p:cond delay="0"/>
+                                          </p:stCondLst>
+                                        </p:cTn>
+                                        <p:tgtEl>
+                                          <p:spTgt spid="3">
+                                            <p:txEl>
+                                              <p:pRg st="6" end="6"/>
+                                            </p:txEl>
+                                          </p:spTgt>
+                                        </p:tgtEl>
+                                        <p:attrNameLst>
+                                          <p:attrName>style.visibility</p:attrName>
+                                        </p:attrNameLst>
+                                      </p:cBhvr>
+                                      <p:to>
+                                        <p:strVal val="visible"/>
+                                      </p:to>
+                                    </p:set>
+                                  </p:childTnLst>
+                                </p:cTn>
+                              </p:par>
+                            </p:childTnLst>
+                          </p:cTn>
+                        </p:par>
+                      </p:childTnLst>
+                    </p:cTn>
+                  </p:par>
+                </p:childTnLst>
+              </p:cTn>
+              <p:prevCondLst>
+                <p:cond evt="onPrev" delay="0">
+                  <p:tgtEl>
+                    <p:sldTgt/>
+                  </p:tgtEl>
+                </p:cond>
+              </p:prevCondLst>
+              <p:nextCondLst>
+                <p:cond evt="onNext" delay="0">
+                  <p:tgtEl>
+                    <p:sldTgt/>
+                  </p:tgtEl>
+                </p:cond>
+              </p:nextCondLst>
+            </p:seq>
+          </p:childTnLst>
+        </p:cTn>
+      </p:par>
+    </p:tnLst>
+    <p:bldLst>
+      <p:bldP spid="3" grpId="0" build="p"/>
+    </p:bldLst>
+  </p:timing>
 </p:sld>
 </file>
 
@@ -3894,6 +4371,213 @@
   <p:clrMapOvr>
     <a:masterClrMapping/>
   </p:clrMapOvr>
+  <p:timing>
+    <p:tnLst>
+      <p:par>
+        <p:cTn id="1" dur="indefinite" restart="never" nodeType="tmRoot">
+          <p:childTnLst>
+            <p:seq concurrent="1" nextAc="seek">
+              <p:cTn id="2" dur="indefinite" nodeType="mainSeq">
+                <p:childTnLst>
+                  <p:par>
+                    <p:cTn id="3" fill="hold">
+                      <p:stCondLst>
+                        <p:cond delay="indefinite"/>
+                      </p:stCondLst>
+                      <p:childTnLst>
+                        <p:par>
+                          <p:cTn id="4" fill="hold">
+                            <p:stCondLst>
+                              <p:cond delay="0"/>
+                            </p:stCondLst>
+                            <p:childTnLst>
+                              <p:par>
+                                <p:cTn id="5" presetID="1" presetClass="entr" presetSubtype="0" fill="hold" grpId="0" nodeType="clickEffect">
+                                  <p:stCondLst>
+                                    <p:cond delay="0"/>
+                                  </p:stCondLst>
+                                  <p:childTnLst>
+                                    <p:set>
+                                      <p:cBhvr>
+                                        <p:cTn id="6" dur="1" fill="hold">
+                                          <p:stCondLst>
+                                            <p:cond delay="0"/>
+                                          </p:stCondLst>
+                                        </p:cTn>
+                                        <p:tgtEl>
+                                          <p:spTgt spid="3">
+                                            <p:txEl>
+                                              <p:pRg st="0" end="0"/>
+                                            </p:txEl>
+                                          </p:spTgt>
+                                        </p:tgtEl>
+                                        <p:attrNameLst>
+                                          <p:attrName>style.visibility</p:attrName>
+                                        </p:attrNameLst>
+                                      </p:cBhvr>
+                                      <p:to>
+                                        <p:strVal val="visible"/>
+                                      </p:to>
+                                    </p:set>
+                                  </p:childTnLst>
+                                </p:cTn>
+                              </p:par>
+                            </p:childTnLst>
+                          </p:cTn>
+                        </p:par>
+                      </p:childTnLst>
+                    </p:cTn>
+                  </p:par>
+                  <p:par>
+                    <p:cTn id="7" fill="hold">
+                      <p:stCondLst>
+                        <p:cond delay="indefinite"/>
+                      </p:stCondLst>
+                      <p:childTnLst>
+                        <p:par>
+                          <p:cTn id="8" fill="hold">
+                            <p:stCondLst>
+                              <p:cond delay="0"/>
+                            </p:stCondLst>
+                            <p:childTnLst>
+                              <p:par>
+                                <p:cTn id="9" presetID="1" presetClass="entr" presetSubtype="0" fill="hold" grpId="0" nodeType="clickEffect">
+                                  <p:stCondLst>
+                                    <p:cond delay="0"/>
+                                  </p:stCondLst>
+                                  <p:childTnLst>
+                                    <p:set>
+                                      <p:cBhvr>
+                                        <p:cTn id="10" dur="1" fill="hold">
+                                          <p:stCondLst>
+                                            <p:cond delay="0"/>
+                                          </p:stCondLst>
+                                        </p:cTn>
+                                        <p:tgtEl>
+                                          <p:spTgt spid="3">
+                                            <p:txEl>
+                                              <p:pRg st="2" end="2"/>
+                                            </p:txEl>
+                                          </p:spTgt>
+                                        </p:tgtEl>
+                                        <p:attrNameLst>
+                                          <p:attrName>style.visibility</p:attrName>
+                                        </p:attrNameLst>
+                                      </p:cBhvr>
+                                      <p:to>
+                                        <p:strVal val="visible"/>
+                                      </p:to>
+                                    </p:set>
+                                  </p:childTnLst>
+                                </p:cTn>
+                              </p:par>
+                            </p:childTnLst>
+                          </p:cTn>
+                        </p:par>
+                      </p:childTnLst>
+                    </p:cTn>
+                  </p:par>
+                  <p:par>
+                    <p:cTn id="11" fill="hold">
+                      <p:stCondLst>
+                        <p:cond delay="indefinite"/>
+                      </p:stCondLst>
+                      <p:childTnLst>
+                        <p:par>
+                          <p:cTn id="12" fill="hold">
+                            <p:stCondLst>
+                              <p:cond delay="0"/>
+                            </p:stCondLst>
+                            <p:childTnLst>
+                              <p:par>
+                                <p:cTn id="13" presetID="1" presetClass="entr" presetSubtype="0" fill="hold" grpId="0" nodeType="clickEffect">
+                                  <p:stCondLst>
+                                    <p:cond delay="0"/>
+                                  </p:stCondLst>
+                                  <p:childTnLst>
+                                    <p:set>
+                                      <p:cBhvr>
+                                        <p:cTn id="14" dur="1" fill="hold">
+                                          <p:stCondLst>
+                                            <p:cond delay="0"/>
+                                          </p:stCondLst>
+                                        </p:cTn>
+                                        <p:tgtEl>
+                                          <p:spTgt spid="3">
+                                            <p:txEl>
+                                              <p:pRg st="4" end="4"/>
+                                            </p:txEl>
+                                          </p:spTgt>
+                                        </p:tgtEl>
+                                        <p:attrNameLst>
+                                          <p:attrName>style.visibility</p:attrName>
+                                        </p:attrNameLst>
+                                      </p:cBhvr>
+                                      <p:to>
+                                        <p:strVal val="visible"/>
+                                      </p:to>
+                                    </p:set>
+                                  </p:childTnLst>
+                                </p:cTn>
+                              </p:par>
+                              <p:par>
+                                <p:cTn id="15" presetID="1" presetClass="entr" presetSubtype="0" fill="hold" nodeType="withEffect">
+                                  <p:stCondLst>
+                                    <p:cond delay="0"/>
+                                  </p:stCondLst>
+                                  <p:childTnLst>
+                                    <p:set>
+                                      <p:cBhvr>
+                                        <p:cTn id="16" dur="1" fill="hold">
+                                          <p:stCondLst>
+                                            <p:cond delay="0"/>
+                                          </p:stCondLst>
+                                        </p:cTn>
+                                        <p:tgtEl>
+                                          <p:spTgt spid="5"/>
+                                        </p:tgtEl>
+                                        <p:attrNameLst>
+                                          <p:attrName>style.visibility</p:attrName>
+                                        </p:attrNameLst>
+                                      </p:cBhvr>
+                                      <p:to>
+                                        <p:strVal val="visible"/>
+                                      </p:to>
+                                    </p:set>
+                                  </p:childTnLst>
+                                </p:cTn>
+                              </p:par>
+                            </p:childTnLst>
+                          </p:cTn>
+                        </p:par>
+                      </p:childTnLst>
+                    </p:cTn>
+                  </p:par>
+                </p:childTnLst>
+              </p:cTn>
+              <p:prevCondLst>
+                <p:cond evt="onPrev" delay="0">
+                  <p:tgtEl>
+                    <p:sldTgt/>
+                  </p:tgtEl>
+                </p:cond>
+              </p:prevCondLst>
+              <p:nextCondLst>
+                <p:cond evt="onNext" delay="0">
+                  <p:tgtEl>
+                    <p:sldTgt/>
+                  </p:tgtEl>
+                </p:cond>
+              </p:nextCondLst>
+            </p:seq>
+          </p:childTnLst>
+        </p:cTn>
+      </p:par>
+    </p:tnLst>
+    <p:bldLst>
+      <p:bldP spid="3" grpId="0" uiExpand="1" build="p"/>
+    </p:bldLst>
+  </p:timing>
 </p:sld>
 </file>
 
@@ -4058,6 +4742,431 @@
   <p:clrMapOvr>
     <a:masterClrMapping/>
   </p:clrMapOvr>
+  <p:timing>
+    <p:tnLst>
+      <p:par>
+        <p:cTn id="1" dur="indefinite" restart="never" nodeType="tmRoot">
+          <p:childTnLst>
+            <p:seq concurrent="1" nextAc="seek">
+              <p:cTn id="2" dur="indefinite" nodeType="mainSeq">
+                <p:childTnLst>
+                  <p:par>
+                    <p:cTn id="3" fill="hold">
+                      <p:stCondLst>
+                        <p:cond delay="indefinite"/>
+                      </p:stCondLst>
+                      <p:childTnLst>
+                        <p:par>
+                          <p:cTn id="4" fill="hold">
+                            <p:stCondLst>
+                              <p:cond delay="0"/>
+                            </p:stCondLst>
+                            <p:childTnLst>
+                              <p:par>
+                                <p:cTn id="5" presetID="1" presetClass="entr" presetSubtype="0" fill="hold" grpId="0" nodeType="clickEffect">
+                                  <p:stCondLst>
+                                    <p:cond delay="0"/>
+                                  </p:stCondLst>
+                                  <p:childTnLst>
+                                    <p:set>
+                                      <p:cBhvr>
+                                        <p:cTn id="6" dur="1" fill="hold">
+                                          <p:stCondLst>
+                                            <p:cond delay="0"/>
+                                          </p:stCondLst>
+                                        </p:cTn>
+                                        <p:tgtEl>
+                                          <p:spTgt spid="3">
+                                            <p:txEl>
+                                              <p:pRg st="0" end="0"/>
+                                            </p:txEl>
+                                          </p:spTgt>
+                                        </p:tgtEl>
+                                        <p:attrNameLst>
+                                          <p:attrName>style.visibility</p:attrName>
+                                        </p:attrNameLst>
+                                      </p:cBhvr>
+                                      <p:to>
+                                        <p:strVal val="visible"/>
+                                      </p:to>
+                                    </p:set>
+                                  </p:childTnLst>
+                                </p:cTn>
+                              </p:par>
+                            </p:childTnLst>
+                          </p:cTn>
+                        </p:par>
+                      </p:childTnLst>
+                    </p:cTn>
+                  </p:par>
+                  <p:par>
+                    <p:cTn id="7" fill="hold">
+                      <p:stCondLst>
+                        <p:cond delay="indefinite"/>
+                      </p:stCondLst>
+                      <p:childTnLst>
+                        <p:par>
+                          <p:cTn id="8" fill="hold">
+                            <p:stCondLst>
+                              <p:cond delay="0"/>
+                            </p:stCondLst>
+                            <p:childTnLst>
+                              <p:par>
+                                <p:cTn id="9" presetID="1" presetClass="entr" presetSubtype="0" fill="hold" grpId="0" nodeType="clickEffect">
+                                  <p:stCondLst>
+                                    <p:cond delay="0"/>
+                                  </p:stCondLst>
+                                  <p:childTnLst>
+                                    <p:set>
+                                      <p:cBhvr>
+                                        <p:cTn id="10" dur="1" fill="hold">
+                                          <p:stCondLst>
+                                            <p:cond delay="0"/>
+                                          </p:stCondLst>
+                                        </p:cTn>
+                                        <p:tgtEl>
+                                          <p:spTgt spid="3">
+                                            <p:txEl>
+                                              <p:pRg st="2" end="2"/>
+                                            </p:txEl>
+                                          </p:spTgt>
+                                        </p:tgtEl>
+                                        <p:attrNameLst>
+                                          <p:attrName>style.visibility</p:attrName>
+                                        </p:attrNameLst>
+                                      </p:cBhvr>
+                                      <p:to>
+                                        <p:strVal val="visible"/>
+                                      </p:to>
+                                    </p:set>
+                                  </p:childTnLst>
+                                </p:cTn>
+                              </p:par>
+                            </p:childTnLst>
+                          </p:cTn>
+                        </p:par>
+                      </p:childTnLst>
+                    </p:cTn>
+                  </p:par>
+                  <p:par>
+                    <p:cTn id="11" fill="hold">
+                      <p:stCondLst>
+                        <p:cond delay="indefinite"/>
+                      </p:stCondLst>
+                      <p:childTnLst>
+                        <p:par>
+                          <p:cTn id="12" fill="hold">
+                            <p:stCondLst>
+                              <p:cond delay="0"/>
+                            </p:stCondLst>
+                            <p:childTnLst>
+                              <p:par>
+                                <p:cTn id="13" presetID="1" presetClass="entr" presetSubtype="0" fill="hold" grpId="0" nodeType="clickEffect">
+                                  <p:stCondLst>
+                                    <p:cond delay="0"/>
+                                  </p:stCondLst>
+                                  <p:childTnLst>
+                                    <p:set>
+                                      <p:cBhvr>
+                                        <p:cTn id="14" dur="1" fill="hold">
+                                          <p:stCondLst>
+                                            <p:cond delay="0"/>
+                                          </p:stCondLst>
+                                        </p:cTn>
+                                        <p:tgtEl>
+                                          <p:spTgt spid="3">
+                                            <p:txEl>
+                                              <p:pRg st="4" end="4"/>
+                                            </p:txEl>
+                                          </p:spTgt>
+                                        </p:tgtEl>
+                                        <p:attrNameLst>
+                                          <p:attrName>style.visibility</p:attrName>
+                                        </p:attrNameLst>
+                                      </p:cBhvr>
+                                      <p:to>
+                                        <p:strVal val="visible"/>
+                                      </p:to>
+                                    </p:set>
+                                  </p:childTnLst>
+                                </p:cTn>
+                              </p:par>
+                            </p:childTnLst>
+                          </p:cTn>
+                        </p:par>
+                      </p:childTnLst>
+                    </p:cTn>
+                  </p:par>
+                  <p:par>
+                    <p:cTn id="15" fill="hold">
+                      <p:stCondLst>
+                        <p:cond delay="indefinite"/>
+                      </p:stCondLst>
+                      <p:childTnLst>
+                        <p:par>
+                          <p:cTn id="16" fill="hold">
+                            <p:stCondLst>
+                              <p:cond delay="0"/>
+                            </p:stCondLst>
+                            <p:childTnLst>
+                              <p:par>
+                                <p:cTn id="17" presetID="1" presetClass="entr" presetSubtype="0" fill="hold" grpId="0" nodeType="clickEffect">
+                                  <p:stCondLst>
+                                    <p:cond delay="0"/>
+                                  </p:stCondLst>
+                                  <p:childTnLst>
+                                    <p:set>
+                                      <p:cBhvr>
+                                        <p:cTn id="18" dur="1" fill="hold">
+                                          <p:stCondLst>
+                                            <p:cond delay="0"/>
+                                          </p:stCondLst>
+                                        </p:cTn>
+                                        <p:tgtEl>
+                                          <p:spTgt spid="3">
+                                            <p:txEl>
+                                              <p:pRg st="5" end="5"/>
+                                            </p:txEl>
+                                          </p:spTgt>
+                                        </p:tgtEl>
+                                        <p:attrNameLst>
+                                          <p:attrName>style.visibility</p:attrName>
+                                        </p:attrNameLst>
+                                      </p:cBhvr>
+                                      <p:to>
+                                        <p:strVal val="visible"/>
+                                      </p:to>
+                                    </p:set>
+                                  </p:childTnLst>
+                                </p:cTn>
+                              </p:par>
+                            </p:childTnLst>
+                          </p:cTn>
+                        </p:par>
+                      </p:childTnLst>
+                    </p:cTn>
+                  </p:par>
+                  <p:par>
+                    <p:cTn id="19" fill="hold">
+                      <p:stCondLst>
+                        <p:cond delay="indefinite"/>
+                      </p:stCondLst>
+                      <p:childTnLst>
+                        <p:par>
+                          <p:cTn id="20" fill="hold">
+                            <p:stCondLst>
+                              <p:cond delay="0"/>
+                            </p:stCondLst>
+                            <p:childTnLst>
+                              <p:par>
+                                <p:cTn id="21" presetID="1" presetClass="entr" presetSubtype="0" fill="hold" grpId="0" nodeType="clickEffect">
+                                  <p:stCondLst>
+                                    <p:cond delay="0"/>
+                                  </p:stCondLst>
+                                  <p:childTnLst>
+                                    <p:set>
+                                      <p:cBhvr>
+                                        <p:cTn id="22" dur="1" fill="hold">
+                                          <p:stCondLst>
+                                            <p:cond delay="0"/>
+                                          </p:stCondLst>
+                                        </p:cTn>
+                                        <p:tgtEl>
+                                          <p:spTgt spid="3">
+                                            <p:txEl>
+                                              <p:pRg st="6" end="6"/>
+                                            </p:txEl>
+                                          </p:spTgt>
+                                        </p:tgtEl>
+                                        <p:attrNameLst>
+                                          <p:attrName>style.visibility</p:attrName>
+                                        </p:attrNameLst>
+                                      </p:cBhvr>
+                                      <p:to>
+                                        <p:strVal val="visible"/>
+                                      </p:to>
+                                    </p:set>
+                                  </p:childTnLst>
+                                </p:cTn>
+                              </p:par>
+                            </p:childTnLst>
+                          </p:cTn>
+                        </p:par>
+                      </p:childTnLst>
+                    </p:cTn>
+                  </p:par>
+                  <p:par>
+                    <p:cTn id="23" fill="hold">
+                      <p:stCondLst>
+                        <p:cond delay="indefinite"/>
+                      </p:stCondLst>
+                      <p:childTnLst>
+                        <p:par>
+                          <p:cTn id="24" fill="hold">
+                            <p:stCondLst>
+                              <p:cond delay="0"/>
+                            </p:stCondLst>
+                            <p:childTnLst>
+                              <p:par>
+                                <p:cTn id="25" presetID="1" presetClass="entr" presetSubtype="0" fill="hold" grpId="0" nodeType="clickEffect">
+                                  <p:stCondLst>
+                                    <p:cond delay="0"/>
+                                  </p:stCondLst>
+                                  <p:childTnLst>
+                                    <p:set>
+                                      <p:cBhvr>
+                                        <p:cTn id="26" dur="1" fill="hold">
+                                          <p:stCondLst>
+                                            <p:cond delay="0"/>
+                                          </p:stCondLst>
+                                        </p:cTn>
+                                        <p:tgtEl>
+                                          <p:spTgt spid="3">
+                                            <p:txEl>
+                                              <p:pRg st="7" end="7"/>
+                                            </p:txEl>
+                                          </p:spTgt>
+                                        </p:tgtEl>
+                                        <p:attrNameLst>
+                                          <p:attrName>style.visibility</p:attrName>
+                                        </p:attrNameLst>
+                                      </p:cBhvr>
+                                      <p:to>
+                                        <p:strVal val="visible"/>
+                                      </p:to>
+                                    </p:set>
+                                  </p:childTnLst>
+                                </p:cTn>
+                              </p:par>
+                            </p:childTnLst>
+                          </p:cTn>
+                        </p:par>
+                      </p:childTnLst>
+                    </p:cTn>
+                  </p:par>
+                  <p:par>
+                    <p:cTn id="27" fill="hold">
+                      <p:stCondLst>
+                        <p:cond delay="indefinite"/>
+                      </p:stCondLst>
+                      <p:childTnLst>
+                        <p:par>
+                          <p:cTn id="28" fill="hold">
+                            <p:stCondLst>
+                              <p:cond delay="0"/>
+                            </p:stCondLst>
+                            <p:childTnLst>
+                              <p:par>
+                                <p:cTn id="29" presetID="1" presetClass="entr" presetSubtype="0" fill="hold" grpId="0" nodeType="clickEffect">
+                                  <p:stCondLst>
+                                    <p:cond delay="0"/>
+                                  </p:stCondLst>
+                                  <p:childTnLst>
+                                    <p:set>
+                                      <p:cBhvr>
+                                        <p:cTn id="30" dur="1" fill="hold">
+                                          <p:stCondLst>
+                                            <p:cond delay="0"/>
+                                          </p:stCondLst>
+                                        </p:cTn>
+                                        <p:tgtEl>
+                                          <p:spTgt spid="3">
+                                            <p:txEl>
+                                              <p:pRg st="8" end="8"/>
+                                            </p:txEl>
+                                          </p:spTgt>
+                                        </p:tgtEl>
+                                        <p:attrNameLst>
+                                          <p:attrName>style.visibility</p:attrName>
+                                        </p:attrNameLst>
+                                      </p:cBhvr>
+                                      <p:to>
+                                        <p:strVal val="visible"/>
+                                      </p:to>
+                                    </p:set>
+                                  </p:childTnLst>
+                                </p:cTn>
+                              </p:par>
+                            </p:childTnLst>
+                          </p:cTn>
+                        </p:par>
+                      </p:childTnLst>
+                    </p:cTn>
+                  </p:par>
+                  <p:par>
+                    <p:cTn id="31" fill="hold">
+                      <p:stCondLst>
+                        <p:cond delay="indefinite"/>
+                      </p:stCondLst>
+                      <p:childTnLst>
+                        <p:par>
+                          <p:cTn id="32" fill="hold">
+                            <p:stCondLst>
+                              <p:cond delay="0"/>
+                            </p:stCondLst>
+                            <p:childTnLst>
+                              <p:par>
+                                <p:cTn id="33" presetID="1" presetClass="entr" presetSubtype="0" fill="hold" grpId="0" nodeType="clickEffect">
+                                  <p:stCondLst>
+                                    <p:cond delay="0"/>
+                                  </p:stCondLst>
+                                  <p:childTnLst>
+                                    <p:set>
+                                      <p:cBhvr>
+                                        <p:cTn id="34" dur="1" fill="hold">
+                                          <p:stCondLst>
+                                            <p:cond delay="0"/>
+                                          </p:stCondLst>
+                                        </p:cTn>
+                                        <p:tgtEl>
+                                          <p:spTgt spid="3">
+                                            <p:txEl>
+                                              <p:pRg st="10" end="10"/>
+                                            </p:txEl>
+                                          </p:spTgt>
+                                        </p:tgtEl>
+                                        <p:attrNameLst>
+                                          <p:attrName>style.visibility</p:attrName>
+                                        </p:attrNameLst>
+                                      </p:cBhvr>
+                                      <p:to>
+                                        <p:strVal val="visible"/>
+                                      </p:to>
+                                    </p:set>
+                                  </p:childTnLst>
+                                </p:cTn>
+                              </p:par>
+                            </p:childTnLst>
+                          </p:cTn>
+                        </p:par>
+                      </p:childTnLst>
+                    </p:cTn>
+                  </p:par>
+                </p:childTnLst>
+              </p:cTn>
+              <p:prevCondLst>
+                <p:cond evt="onPrev" delay="0">
+                  <p:tgtEl>
+                    <p:sldTgt/>
+                  </p:tgtEl>
+                </p:cond>
+              </p:prevCondLst>
+              <p:nextCondLst>
+                <p:cond evt="onNext" delay="0">
+                  <p:tgtEl>
+                    <p:sldTgt/>
+                  </p:tgtEl>
+                </p:cond>
+              </p:nextCondLst>
+            </p:seq>
+          </p:childTnLst>
+        </p:cTn>
+      </p:par>
+    </p:tnLst>
+    <p:bldLst>
+      <p:bldP spid="3" grpId="0" build="p"/>
+    </p:bldLst>
+  </p:timing>
 </p:sld>
 </file>
 
@@ -4242,10 +5351,494 @@
   <p:clrMapOvr>
     <a:masterClrMapping/>
   </p:clrMapOvr>
+  <p:timing>
+    <p:tnLst>
+      <p:par>
+        <p:cTn id="1" dur="indefinite" restart="never" nodeType="tmRoot">
+          <p:childTnLst>
+            <p:seq concurrent="1" nextAc="seek">
+              <p:cTn id="2" dur="indefinite" nodeType="mainSeq">
+                <p:childTnLst>
+                  <p:par>
+                    <p:cTn id="3" fill="hold">
+                      <p:stCondLst>
+                        <p:cond delay="indefinite"/>
+                      </p:stCondLst>
+                      <p:childTnLst>
+                        <p:par>
+                          <p:cTn id="4" fill="hold">
+                            <p:stCondLst>
+                              <p:cond delay="0"/>
+                            </p:stCondLst>
+                            <p:childTnLst>
+                              <p:par>
+                                <p:cTn id="5" presetID="1" presetClass="entr" presetSubtype="0" fill="hold" grpId="0" nodeType="clickEffect">
+                                  <p:stCondLst>
+                                    <p:cond delay="0"/>
+                                  </p:stCondLst>
+                                  <p:childTnLst>
+                                    <p:set>
+                                      <p:cBhvr>
+                                        <p:cTn id="6" dur="1" fill="hold">
+                                          <p:stCondLst>
+                                            <p:cond delay="0"/>
+                                          </p:stCondLst>
+                                        </p:cTn>
+                                        <p:tgtEl>
+                                          <p:spTgt spid="3">
+                                            <p:txEl>
+                                              <p:pRg st="0" end="0"/>
+                                            </p:txEl>
+                                          </p:spTgt>
+                                        </p:tgtEl>
+                                        <p:attrNameLst>
+                                          <p:attrName>style.visibility</p:attrName>
+                                        </p:attrNameLst>
+                                      </p:cBhvr>
+                                      <p:to>
+                                        <p:strVal val="visible"/>
+                                      </p:to>
+                                    </p:set>
+                                  </p:childTnLst>
+                                </p:cTn>
+                              </p:par>
+                              <p:par>
+                                <p:cTn id="7" presetID="1" presetClass="entr" presetSubtype="0" fill="hold" nodeType="withEffect">
+                                  <p:stCondLst>
+                                    <p:cond delay="0"/>
+                                  </p:stCondLst>
+                                  <p:childTnLst>
+                                    <p:set>
+                                      <p:cBhvr>
+                                        <p:cTn id="8" dur="1" fill="hold">
+                                          <p:stCondLst>
+                                            <p:cond delay="0"/>
+                                          </p:stCondLst>
+                                        </p:cTn>
+                                        <p:tgtEl>
+                                          <p:spTgt spid="6"/>
+                                        </p:tgtEl>
+                                        <p:attrNameLst>
+                                          <p:attrName>style.visibility</p:attrName>
+                                        </p:attrNameLst>
+                                      </p:cBhvr>
+                                      <p:to>
+                                        <p:strVal val="visible"/>
+                                      </p:to>
+                                    </p:set>
+                                  </p:childTnLst>
+                                </p:cTn>
+                              </p:par>
+                              <p:par>
+                                <p:cTn id="9" presetID="1" presetClass="entr" presetSubtype="0" fill="hold" nodeType="withEffect">
+                                  <p:stCondLst>
+                                    <p:cond delay="0"/>
+                                  </p:stCondLst>
+                                  <p:childTnLst>
+                                    <p:set>
+                                      <p:cBhvr>
+                                        <p:cTn id="10" dur="1" fill="hold">
+                                          <p:stCondLst>
+                                            <p:cond delay="0"/>
+                                          </p:stCondLst>
+                                        </p:cTn>
+                                        <p:tgtEl>
+                                          <p:spTgt spid="5"/>
+                                        </p:tgtEl>
+                                        <p:attrNameLst>
+                                          <p:attrName>style.visibility</p:attrName>
+                                        </p:attrNameLst>
+                                      </p:cBhvr>
+                                      <p:to>
+                                        <p:strVal val="visible"/>
+                                      </p:to>
+                                    </p:set>
+                                  </p:childTnLst>
+                                </p:cTn>
+                              </p:par>
+                            </p:childTnLst>
+                          </p:cTn>
+                        </p:par>
+                      </p:childTnLst>
+                    </p:cTn>
+                  </p:par>
+                  <p:par>
+                    <p:cTn id="11" fill="hold">
+                      <p:stCondLst>
+                        <p:cond delay="indefinite"/>
+                      </p:stCondLst>
+                      <p:childTnLst>
+                        <p:par>
+                          <p:cTn id="12" fill="hold">
+                            <p:stCondLst>
+                              <p:cond delay="0"/>
+                            </p:stCondLst>
+                            <p:childTnLst>
+                              <p:par>
+                                <p:cTn id="13" presetID="1" presetClass="entr" presetSubtype="0" fill="hold" grpId="0" nodeType="clickEffect">
+                                  <p:stCondLst>
+                                    <p:cond delay="0"/>
+                                  </p:stCondLst>
+                                  <p:childTnLst>
+                                    <p:set>
+                                      <p:cBhvr>
+                                        <p:cTn id="14" dur="1" fill="hold">
+                                          <p:stCondLst>
+                                            <p:cond delay="0"/>
+                                          </p:stCondLst>
+                                        </p:cTn>
+                                        <p:tgtEl>
+                                          <p:spTgt spid="3">
+                                            <p:txEl>
+                                              <p:pRg st="2" end="2"/>
+                                            </p:txEl>
+                                          </p:spTgt>
+                                        </p:tgtEl>
+                                        <p:attrNameLst>
+                                          <p:attrName>style.visibility</p:attrName>
+                                        </p:attrNameLst>
+                                      </p:cBhvr>
+                                      <p:to>
+                                        <p:strVal val="visible"/>
+                                      </p:to>
+                                    </p:set>
+                                  </p:childTnLst>
+                                </p:cTn>
+                              </p:par>
+                            </p:childTnLst>
+                          </p:cTn>
+                        </p:par>
+                      </p:childTnLst>
+                    </p:cTn>
+                  </p:par>
+                  <p:par>
+                    <p:cTn id="15" fill="hold">
+                      <p:stCondLst>
+                        <p:cond delay="indefinite"/>
+                      </p:stCondLst>
+                      <p:childTnLst>
+                        <p:par>
+                          <p:cTn id="16" fill="hold">
+                            <p:stCondLst>
+                              <p:cond delay="0"/>
+                            </p:stCondLst>
+                            <p:childTnLst>
+                              <p:par>
+                                <p:cTn id="17" presetID="1" presetClass="entr" presetSubtype="0" fill="hold" grpId="0" nodeType="clickEffect">
+                                  <p:stCondLst>
+                                    <p:cond delay="0"/>
+                                  </p:stCondLst>
+                                  <p:childTnLst>
+                                    <p:set>
+                                      <p:cBhvr>
+                                        <p:cTn id="18" dur="1" fill="hold">
+                                          <p:stCondLst>
+                                            <p:cond delay="0"/>
+                                          </p:stCondLst>
+                                        </p:cTn>
+                                        <p:tgtEl>
+                                          <p:spTgt spid="3">
+                                            <p:txEl>
+                                              <p:pRg st="4" end="4"/>
+                                            </p:txEl>
+                                          </p:spTgt>
+                                        </p:tgtEl>
+                                        <p:attrNameLst>
+                                          <p:attrName>style.visibility</p:attrName>
+                                        </p:attrNameLst>
+                                      </p:cBhvr>
+                                      <p:to>
+                                        <p:strVal val="visible"/>
+                                      </p:to>
+                                    </p:set>
+                                  </p:childTnLst>
+                                </p:cTn>
+                              </p:par>
+                            </p:childTnLst>
+                          </p:cTn>
+                        </p:par>
+                      </p:childTnLst>
+                    </p:cTn>
+                  </p:par>
+                  <p:par>
+                    <p:cTn id="19" fill="hold">
+                      <p:stCondLst>
+                        <p:cond delay="indefinite"/>
+                      </p:stCondLst>
+                      <p:childTnLst>
+                        <p:par>
+                          <p:cTn id="20" fill="hold">
+                            <p:stCondLst>
+                              <p:cond delay="0"/>
+                            </p:stCondLst>
+                            <p:childTnLst>
+                              <p:par>
+                                <p:cTn id="21" presetID="1" presetClass="entr" presetSubtype="0" fill="hold" grpId="0" nodeType="clickEffect">
+                                  <p:stCondLst>
+                                    <p:cond delay="0"/>
+                                  </p:stCondLst>
+                                  <p:childTnLst>
+                                    <p:set>
+                                      <p:cBhvr>
+                                        <p:cTn id="22" dur="1" fill="hold">
+                                          <p:stCondLst>
+                                            <p:cond delay="0"/>
+                                          </p:stCondLst>
+                                        </p:cTn>
+                                        <p:tgtEl>
+                                          <p:spTgt spid="3">
+                                            <p:txEl>
+                                              <p:pRg st="6" end="6"/>
+                                            </p:txEl>
+                                          </p:spTgt>
+                                        </p:tgtEl>
+                                        <p:attrNameLst>
+                                          <p:attrName>style.visibility</p:attrName>
+                                        </p:attrNameLst>
+                                      </p:cBhvr>
+                                      <p:to>
+                                        <p:strVal val="visible"/>
+                                      </p:to>
+                                    </p:set>
+                                  </p:childTnLst>
+                                </p:cTn>
+                              </p:par>
+                            </p:childTnLst>
+                          </p:cTn>
+                        </p:par>
+                      </p:childTnLst>
+                    </p:cTn>
+                  </p:par>
+                </p:childTnLst>
+              </p:cTn>
+              <p:prevCondLst>
+                <p:cond evt="onPrev" delay="0">
+                  <p:tgtEl>
+                    <p:sldTgt/>
+                  </p:tgtEl>
+                </p:cond>
+              </p:prevCondLst>
+              <p:nextCondLst>
+                <p:cond evt="onNext" delay="0">
+                  <p:tgtEl>
+                    <p:sldTgt/>
+                  </p:tgtEl>
+                </p:cond>
+              </p:nextCondLst>
+            </p:seq>
+          </p:childTnLst>
+        </p:cTn>
+      </p:par>
+    </p:tnLst>
+    <p:bldLst>
+      <p:bldP spid="3" grpId="0" uiExpand="1" build="p"/>
+    </p:bldLst>
+  </p:timing>
 </p:sld>
 </file>
 
 <file path=ppt/slides/slide8.xml><?xml version="1.0" encoding="utf-8"?>
+<p:sld xmlns:a="http://schemas.openxmlformats.org/drawingml/2006/main" xmlns:r="http://schemas.openxmlformats.org/officeDocument/2006/relationships" xmlns:p="http://schemas.openxmlformats.org/presentationml/2006/main">
+  <p:cSld>
+    <p:spTree>
+      <p:nvGrpSpPr>
+        <p:cNvPr id="1" name=""/>
+        <p:cNvGrpSpPr/>
+        <p:nvPr/>
+      </p:nvGrpSpPr>
+      <p:grpSpPr>
+        <a:xfrm>
+          <a:off x="0" y="0"/>
+          <a:ext cx="0" cy="0"/>
+          <a:chOff x="0" y="0"/>
+          <a:chExt cx="0" cy="0"/>
+        </a:xfrm>
+      </p:grpSpPr>
+      <p:pic>
+        <p:nvPicPr>
+          <p:cNvPr id="10" name="2">
+            <a:hlinkClick r:id="" action="ppaction://media"/>
+            <a:extLst>
+              <a:ext uri="{FF2B5EF4-FFF2-40B4-BE49-F238E27FC236}">
+                <a16:creationId xmlns:a16="http://schemas.microsoft.com/office/drawing/2014/main" id="{960E2363-3713-41AE-9B96-CCAA655255E8}"/>
+              </a:ext>
+            </a:extLst>
+          </p:cNvPr>
+          <p:cNvPicPr>
+            <a:picLocks noGrp="1" noChangeAspect="1"/>
+          </p:cNvPicPr>
+          <p:nvPr>
+            <p:ph idx="1"/>
+            <a:videoFile r:link="rId2"/>
+            <p:extLst>
+              <p:ext uri="{DAA4B4D4-6D71-4841-9C94-3DE7FCFB9230}">
+                <p14:media xmlns:p14="http://schemas.microsoft.com/office/powerpoint/2010/main" r:embed="rId1"/>
+              </p:ext>
+            </p:extLst>
+          </p:nvPr>
+        </p:nvPicPr>
+        <p:blipFill>
+          <a:blip r:embed="rId4"/>
+          <a:stretch>
+            <a:fillRect/>
+          </a:stretch>
+        </p:blipFill>
+        <p:spPr>
+          <a:xfrm>
+            <a:off x="3366291" y="0"/>
+            <a:ext cx="5054053" cy="6858000"/>
+          </a:xfrm>
+        </p:spPr>
+      </p:pic>
+    </p:spTree>
+    <p:extLst>
+      <p:ext uri="{BB962C8B-B14F-4D97-AF65-F5344CB8AC3E}">
+        <p14:creationId xmlns:p14="http://schemas.microsoft.com/office/powerpoint/2010/main" val="4216328477"/>
+      </p:ext>
+    </p:extLst>
+  </p:cSld>
+  <p:clrMapOvr>
+    <a:masterClrMapping/>
+  </p:clrMapOvr>
+  <p:timing>
+    <p:tnLst>
+      <p:par>
+        <p:cTn id="1" dur="indefinite" restart="never" nodeType="tmRoot">
+          <p:childTnLst>
+            <p:seq concurrent="1" nextAc="seek">
+              <p:cTn id="2" dur="indefinite" nodeType="mainSeq">
+                <p:childTnLst>
+                  <p:par>
+                    <p:cTn id="3" fill="hold">
+                      <p:stCondLst>
+                        <p:cond delay="indefinite"/>
+                      </p:stCondLst>
+                      <p:childTnLst>
+                        <p:par>
+                          <p:cTn id="4" fill="hold">
+                            <p:stCondLst>
+                              <p:cond delay="0"/>
+                            </p:stCondLst>
+                            <p:childTnLst>
+                              <p:par>
+                                <p:cTn id="5" presetID="1" presetClass="mediacall" presetSubtype="0" fill="hold" nodeType="clickEffect">
+                                  <p:stCondLst>
+                                    <p:cond delay="0"/>
+                                  </p:stCondLst>
+                                  <p:childTnLst>
+                                    <p:cmd type="call" cmd="playFrom(0.0)">
+                                      <p:cBhvr>
+                                        <p:cTn id="6" dur="27967" fill="hold"/>
+                                        <p:tgtEl>
+                                          <p:spTgt spid="10"/>
+                                        </p:tgtEl>
+                                      </p:cBhvr>
+                                    </p:cmd>
+                                  </p:childTnLst>
+                                </p:cTn>
+                              </p:par>
+                            </p:childTnLst>
+                          </p:cTn>
+                        </p:par>
+                      </p:childTnLst>
+                    </p:cTn>
+                  </p:par>
+                </p:childTnLst>
+              </p:cTn>
+              <p:prevCondLst>
+                <p:cond evt="onPrev" delay="0">
+                  <p:tgtEl>
+                    <p:sldTgt/>
+                  </p:tgtEl>
+                </p:cond>
+              </p:prevCondLst>
+              <p:nextCondLst>
+                <p:cond evt="onNext" delay="0">
+                  <p:tgtEl>
+                    <p:sldTgt/>
+                  </p:tgtEl>
+                </p:cond>
+              </p:nextCondLst>
+            </p:seq>
+            <p:video>
+              <p:cMediaNode vol="80000">
+                <p:cTn id="7" fill="hold" display="0">
+                  <p:stCondLst>
+                    <p:cond delay="indefinite"/>
+                  </p:stCondLst>
+                </p:cTn>
+                <p:tgtEl>
+                  <p:spTgt spid="10"/>
+                </p:tgtEl>
+              </p:cMediaNode>
+            </p:video>
+            <p:seq concurrent="1" nextAc="seek">
+              <p:cTn id="8" restart="whenNotActive" fill="hold" evtFilter="cancelBubble" nodeType="interactiveSeq">
+                <p:stCondLst>
+                  <p:cond evt="onClick" delay="0">
+                    <p:tgtEl>
+                      <p:spTgt spid="10"/>
+                    </p:tgtEl>
+                  </p:cond>
+                </p:stCondLst>
+                <p:endSync evt="end" delay="0">
+                  <p:rtn val="all"/>
+                </p:endSync>
+                <p:childTnLst>
+                  <p:par>
+                    <p:cTn id="9" fill="hold">
+                      <p:stCondLst>
+                        <p:cond delay="0"/>
+                      </p:stCondLst>
+                      <p:childTnLst>
+                        <p:par>
+                          <p:cTn id="10" fill="hold">
+                            <p:stCondLst>
+                              <p:cond delay="0"/>
+                            </p:stCondLst>
+                            <p:childTnLst>
+                              <p:par>
+                                <p:cTn id="11" presetID="2" presetClass="mediacall" presetSubtype="0" fill="hold" nodeType="clickEffect">
+                                  <p:stCondLst>
+                                    <p:cond delay="0"/>
+                                  </p:stCondLst>
+                                  <p:childTnLst>
+                                    <p:cmd type="call" cmd="togglePause">
+                                      <p:cBhvr>
+                                        <p:cTn id="12" dur="1" fill="hold"/>
+                                        <p:tgtEl>
+                                          <p:spTgt spid="10"/>
+                                        </p:tgtEl>
+                                      </p:cBhvr>
+                                    </p:cmd>
+                                  </p:childTnLst>
+                                </p:cTn>
+                              </p:par>
+                            </p:childTnLst>
+                          </p:cTn>
+                        </p:par>
+                      </p:childTnLst>
+                    </p:cTn>
+                  </p:par>
+                </p:childTnLst>
+              </p:cTn>
+              <p:nextCondLst>
+                <p:cond evt="onClick" delay="0">
+                  <p:tgtEl>
+                    <p:spTgt spid="10"/>
+                  </p:tgtEl>
+                </p:cond>
+              </p:nextCondLst>
+            </p:seq>
+          </p:childTnLst>
+        </p:cTn>
+      </p:par>
+    </p:tnLst>
+  </p:timing>
+</p:sld>
+</file>
+
+<file path=ppt/slides/slide9.xml><?xml version="1.0" encoding="utf-8"?>
 <p:sld xmlns:a="http://schemas.openxmlformats.org/drawingml/2006/main" xmlns:r="http://schemas.openxmlformats.org/officeDocument/2006/relationships" xmlns:p="http://schemas.openxmlformats.org/presentationml/2006/main">
   <p:cSld>
     <p:bg>

--- a/PrezentacijaNeLjutiSeČoveće.pptx
+++ b/PrezentacijaNeLjutiSeČoveće.pptx
@@ -12,8 +12,7 @@
     <p:sldId id="261" r:id="rId6"/>
     <p:sldId id="262" r:id="rId7"/>
     <p:sldId id="263" r:id="rId8"/>
-    <p:sldId id="264" r:id="rId9"/>
-    <p:sldId id="260" r:id="rId10"/>
+    <p:sldId id="260" r:id="rId9"/>
   </p:sldIdLst>
   <p:sldSz cx="12192000" cy="6858000"/>
   <p:notesSz cx="6858000" cy="9144000"/>
@@ -4702,7 +4701,7 @@
           <a:p>
             <a:r>
               <a:rPr lang="sr-Latn-RS" dirty="0"/>
-              <a:t>DQN vs 3*IP: 29% win rate</a:t>
+              <a:t>Policy gradient vs 3*IP: 29% win rate</a:t>
             </a:r>
           </a:p>
           <a:p>
@@ -4732,6 +4731,44 @@
           </a:p>
         </p:txBody>
       </p:sp>
+      <p:pic>
+        <p:nvPicPr>
+          <p:cNvPr id="6" name="2">
+            <a:hlinkClick r:id="" action="ppaction://media"/>
+            <a:extLst>
+              <a:ext uri="{FF2B5EF4-FFF2-40B4-BE49-F238E27FC236}">
+                <a16:creationId xmlns:a16="http://schemas.microsoft.com/office/drawing/2014/main" id="{70DA05F4-D40C-4B39-9005-356D553869F7}"/>
+              </a:ext>
+            </a:extLst>
+          </p:cNvPr>
+          <p:cNvPicPr>
+            <a:picLocks noChangeAspect="1"/>
+          </p:cNvPicPr>
+          <p:nvPr>
+            <a:videoFile r:link="rId2"/>
+            <p:extLst>
+              <p:ext uri="{DAA4B4D4-6D71-4841-9C94-3DE7FCFB9230}">
+                <p14:media xmlns:p14="http://schemas.microsoft.com/office/powerpoint/2010/main" r:embed="rId1"/>
+              </p:ext>
+            </p:extLst>
+          </p:nvPr>
+        </p:nvPicPr>
+        <p:blipFill>
+          <a:blip r:embed="rId4"/>
+          <a:stretch>
+            <a:fillRect/>
+          </a:stretch>
+        </p:blipFill>
+        <p:spPr>
+          <a:xfrm>
+            <a:off x="6394475" y="1447800"/>
+            <a:ext cx="3647225" cy="4949031"/>
+          </a:xfrm>
+          <a:prstGeom prst="rect">
+            <a:avLst/>
+          </a:prstGeom>
+        </p:spPr>
+      </p:pic>
     </p:spTree>
     <p:extLst>
       <p:ext uri="{BB962C8B-B14F-4D97-AF65-F5344CB8AC3E}">
@@ -5142,6 +5179,41 @@
                       </p:childTnLst>
                     </p:cTn>
                   </p:par>
+                  <p:par>
+                    <p:cTn id="35" fill="hold">
+                      <p:stCondLst>
+                        <p:cond delay="indefinite"/>
+                      </p:stCondLst>
+                      <p:childTnLst>
+                        <p:par>
+                          <p:cTn id="36" fill="hold">
+                            <p:stCondLst>
+                              <p:cond delay="0"/>
+                            </p:stCondLst>
+                            <p:childTnLst>
+                              <p:par>
+                                <p:cTn id="37" presetID="1" presetClass="mediacall" presetSubtype="0" fill="hold" nodeType="clickEffect">
+                                  <p:stCondLst>
+                                    <p:cond delay="0"/>
+                                  </p:stCondLst>
+                                  <p:childTnLst>
+                                    <p:cmd type="call" cmd="playFrom(0.0)">
+                                      <p:cBhvr>
+                                        <p:cTn id="38" dur="27967" fill="hold"/>
+                                        <p:tgtEl>
+                                          <p:spTgt spid="6"/>
+                                        </p:tgtEl>
+                                      </p:cBhvr>
+                                    </p:cmd>
+                                  </p:childTnLst>
+                                </p:cTn>
+                              </p:par>
+                            </p:childTnLst>
+                          </p:cTn>
+                        </p:par>
+                      </p:childTnLst>
+                    </p:cTn>
+                  </p:par>
                 </p:childTnLst>
               </p:cTn>
               <p:prevCondLst>
@@ -5159,6 +5231,76 @@
                 </p:cond>
               </p:nextCondLst>
             </p:seq>
+            <p:seq concurrent="1" nextAc="seek">
+              <p:cTn id="39" restart="whenNotActive" fill="hold" evtFilter="cancelBubble" nodeType="interactiveSeq">
+                <p:stCondLst>
+                  <p:cond evt="onClick" delay="0">
+                    <p:tgtEl>
+                      <p:spTgt spid="6"/>
+                    </p:tgtEl>
+                  </p:cond>
+                </p:stCondLst>
+                <p:endSync evt="end" delay="0">
+                  <p:rtn val="all"/>
+                </p:endSync>
+                <p:childTnLst>
+                  <p:par>
+                    <p:cTn id="40" fill="hold">
+                      <p:stCondLst>
+                        <p:cond delay="0"/>
+                      </p:stCondLst>
+                      <p:childTnLst>
+                        <p:par>
+                          <p:cTn id="41" fill="hold">
+                            <p:stCondLst>
+                              <p:cond delay="0"/>
+                            </p:stCondLst>
+                            <p:childTnLst>
+                              <p:par>
+                                <p:cTn id="42" presetID="2" presetClass="mediacall" presetSubtype="0" fill="hold" nodeType="clickEffect">
+                                  <p:stCondLst>
+                                    <p:cond delay="0"/>
+                                  </p:stCondLst>
+                                  <p:childTnLst>
+                                    <p:cmd type="call" cmd="togglePause">
+                                      <p:cBhvr>
+                                        <p:cTn id="43" dur="1" fill="hold"/>
+                                        <p:tgtEl>
+                                          <p:spTgt spid="6"/>
+                                        </p:tgtEl>
+                                      </p:cBhvr>
+                                    </p:cmd>
+                                  </p:childTnLst>
+                                </p:cTn>
+                              </p:par>
+                            </p:childTnLst>
+                          </p:cTn>
+                        </p:par>
+                      </p:childTnLst>
+                    </p:cTn>
+                  </p:par>
+                </p:childTnLst>
+              </p:cTn>
+              <p:nextCondLst>
+                <p:cond evt="onClick" delay="0">
+                  <p:tgtEl>
+                    <p:spTgt spid="6"/>
+                  </p:tgtEl>
+                </p:cond>
+              </p:nextCondLst>
+            </p:seq>
+            <p:video>
+              <p:cMediaNode vol="80000">
+                <p:cTn id="44" fill="hold" display="0">
+                  <p:stCondLst>
+                    <p:cond delay="indefinite"/>
+                  </p:stCondLst>
+                </p:cTn>
+                <p:tgtEl>
+                  <p:spTgt spid="6"/>
+                </p:tgtEl>
+              </p:cMediaNode>
+            </p:video>
           </p:childTnLst>
         </p:cTn>
       </p:par>
@@ -5640,207 +5782,6 @@
 <file path=ppt/slides/slide8.xml><?xml version="1.0" encoding="utf-8"?>
 <p:sld xmlns:a="http://schemas.openxmlformats.org/drawingml/2006/main" xmlns:r="http://schemas.openxmlformats.org/officeDocument/2006/relationships" xmlns:p="http://schemas.openxmlformats.org/presentationml/2006/main">
   <p:cSld>
-    <p:spTree>
-      <p:nvGrpSpPr>
-        <p:cNvPr id="1" name=""/>
-        <p:cNvGrpSpPr/>
-        <p:nvPr/>
-      </p:nvGrpSpPr>
-      <p:grpSpPr>
-        <a:xfrm>
-          <a:off x="0" y="0"/>
-          <a:ext cx="0" cy="0"/>
-          <a:chOff x="0" y="0"/>
-          <a:chExt cx="0" cy="0"/>
-        </a:xfrm>
-      </p:grpSpPr>
-      <p:pic>
-        <p:nvPicPr>
-          <p:cNvPr id="10" name="2">
-            <a:hlinkClick r:id="" action="ppaction://media"/>
-            <a:extLst>
-              <a:ext uri="{FF2B5EF4-FFF2-40B4-BE49-F238E27FC236}">
-                <a16:creationId xmlns:a16="http://schemas.microsoft.com/office/drawing/2014/main" id="{960E2363-3713-41AE-9B96-CCAA655255E8}"/>
-              </a:ext>
-            </a:extLst>
-          </p:cNvPr>
-          <p:cNvPicPr>
-            <a:picLocks noGrp="1" noChangeAspect="1"/>
-          </p:cNvPicPr>
-          <p:nvPr>
-            <p:ph idx="1"/>
-            <a:videoFile r:link="rId2"/>
-            <p:extLst>
-              <p:ext uri="{DAA4B4D4-6D71-4841-9C94-3DE7FCFB9230}">
-                <p14:media xmlns:p14="http://schemas.microsoft.com/office/powerpoint/2010/main" r:embed="rId1"/>
-              </p:ext>
-            </p:extLst>
-          </p:nvPr>
-        </p:nvPicPr>
-        <p:blipFill>
-          <a:blip r:embed="rId4"/>
-          <a:stretch>
-            <a:fillRect/>
-          </a:stretch>
-        </p:blipFill>
-        <p:spPr>
-          <a:xfrm>
-            <a:off x="3366291" y="0"/>
-            <a:ext cx="5054053" cy="6858000"/>
-          </a:xfrm>
-        </p:spPr>
-      </p:pic>
-    </p:spTree>
-    <p:extLst>
-      <p:ext uri="{BB962C8B-B14F-4D97-AF65-F5344CB8AC3E}">
-        <p14:creationId xmlns:p14="http://schemas.microsoft.com/office/powerpoint/2010/main" val="4216328477"/>
-      </p:ext>
-    </p:extLst>
-  </p:cSld>
-  <p:clrMapOvr>
-    <a:masterClrMapping/>
-  </p:clrMapOvr>
-  <p:timing>
-    <p:tnLst>
-      <p:par>
-        <p:cTn id="1" dur="indefinite" restart="never" nodeType="tmRoot">
-          <p:childTnLst>
-            <p:seq concurrent="1" nextAc="seek">
-              <p:cTn id="2" dur="indefinite" nodeType="mainSeq">
-                <p:childTnLst>
-                  <p:par>
-                    <p:cTn id="3" fill="hold">
-                      <p:stCondLst>
-                        <p:cond delay="indefinite"/>
-                      </p:stCondLst>
-                      <p:childTnLst>
-                        <p:par>
-                          <p:cTn id="4" fill="hold">
-                            <p:stCondLst>
-                              <p:cond delay="0"/>
-                            </p:stCondLst>
-                            <p:childTnLst>
-                              <p:par>
-                                <p:cTn id="5" presetID="1" presetClass="mediacall" presetSubtype="0" fill="hold" nodeType="clickEffect">
-                                  <p:stCondLst>
-                                    <p:cond delay="0"/>
-                                  </p:stCondLst>
-                                  <p:childTnLst>
-                                    <p:cmd type="call" cmd="playFrom(0.0)">
-                                      <p:cBhvr>
-                                        <p:cTn id="6" dur="27967" fill="hold"/>
-                                        <p:tgtEl>
-                                          <p:spTgt spid="10"/>
-                                        </p:tgtEl>
-                                      </p:cBhvr>
-                                    </p:cmd>
-                                  </p:childTnLst>
-                                </p:cTn>
-                              </p:par>
-                            </p:childTnLst>
-                          </p:cTn>
-                        </p:par>
-                      </p:childTnLst>
-                    </p:cTn>
-                  </p:par>
-                </p:childTnLst>
-              </p:cTn>
-              <p:prevCondLst>
-                <p:cond evt="onPrev" delay="0">
-                  <p:tgtEl>
-                    <p:sldTgt/>
-                  </p:tgtEl>
-                </p:cond>
-              </p:prevCondLst>
-              <p:nextCondLst>
-                <p:cond evt="onNext" delay="0">
-                  <p:tgtEl>
-                    <p:sldTgt/>
-                  </p:tgtEl>
-                </p:cond>
-              </p:nextCondLst>
-            </p:seq>
-            <p:video>
-              <p:cMediaNode vol="80000">
-                <p:cTn id="7" fill="hold" display="0">
-                  <p:stCondLst>
-                    <p:cond delay="indefinite"/>
-                  </p:stCondLst>
-                </p:cTn>
-                <p:tgtEl>
-                  <p:spTgt spid="10"/>
-                </p:tgtEl>
-              </p:cMediaNode>
-            </p:video>
-            <p:seq concurrent="1" nextAc="seek">
-              <p:cTn id="8" restart="whenNotActive" fill="hold" evtFilter="cancelBubble" nodeType="interactiveSeq">
-                <p:stCondLst>
-                  <p:cond evt="onClick" delay="0">
-                    <p:tgtEl>
-                      <p:spTgt spid="10"/>
-                    </p:tgtEl>
-                  </p:cond>
-                </p:stCondLst>
-                <p:endSync evt="end" delay="0">
-                  <p:rtn val="all"/>
-                </p:endSync>
-                <p:childTnLst>
-                  <p:par>
-                    <p:cTn id="9" fill="hold">
-                      <p:stCondLst>
-                        <p:cond delay="0"/>
-                      </p:stCondLst>
-                      <p:childTnLst>
-                        <p:par>
-                          <p:cTn id="10" fill="hold">
-                            <p:stCondLst>
-                              <p:cond delay="0"/>
-                            </p:stCondLst>
-                            <p:childTnLst>
-                              <p:par>
-                                <p:cTn id="11" presetID="2" presetClass="mediacall" presetSubtype="0" fill="hold" nodeType="clickEffect">
-                                  <p:stCondLst>
-                                    <p:cond delay="0"/>
-                                  </p:stCondLst>
-                                  <p:childTnLst>
-                                    <p:cmd type="call" cmd="togglePause">
-                                      <p:cBhvr>
-                                        <p:cTn id="12" dur="1" fill="hold"/>
-                                        <p:tgtEl>
-                                          <p:spTgt spid="10"/>
-                                        </p:tgtEl>
-                                      </p:cBhvr>
-                                    </p:cmd>
-                                  </p:childTnLst>
-                                </p:cTn>
-                              </p:par>
-                            </p:childTnLst>
-                          </p:cTn>
-                        </p:par>
-                      </p:childTnLst>
-                    </p:cTn>
-                  </p:par>
-                </p:childTnLst>
-              </p:cTn>
-              <p:nextCondLst>
-                <p:cond evt="onClick" delay="0">
-                  <p:tgtEl>
-                    <p:spTgt spid="10"/>
-                  </p:tgtEl>
-                </p:cond>
-              </p:nextCondLst>
-            </p:seq>
-          </p:childTnLst>
-        </p:cTn>
-      </p:par>
-    </p:tnLst>
-  </p:timing>
-</p:sld>
-</file>
-
-<file path=ppt/slides/slide9.xml><?xml version="1.0" encoding="utf-8"?>
-<p:sld xmlns:a="http://schemas.openxmlformats.org/drawingml/2006/main" xmlns:r="http://schemas.openxmlformats.org/officeDocument/2006/relationships" xmlns:p="http://schemas.openxmlformats.org/presentationml/2006/main">
-  <p:cSld>
     <p:bg>
       <p:bgPr>
         <a:blipFill dpi="0" rotWithShape="1">
@@ -5915,7 +5856,7 @@
           <a:bodyPr/>
           <a:lstStyle/>
           <a:p>
-            <a:endParaRPr lang="en-US"/>
+            <a:endParaRPr lang="en-US" dirty="0"/>
           </a:p>
         </p:txBody>
       </p:sp>
